--- a/Slightly Positive MLE Results.pptx
+++ b/Slightly Positive MLE Results.pptx
@@ -11,6 +11,7 @@
     <p:sldId id="259" r:id="rId5"/>
     <p:sldId id="260" r:id="rId6"/>
     <p:sldId id="261" r:id="rId7"/>
+    <p:sldId id="262" r:id="rId8"/>
   </p:sldIdLst>
   <p:sldSz cx="12192000" cy="6858000"/>
   <p:notesSz cx="6858000" cy="9144000"/>
@@ -109,6 +110,11 @@
       </a:defRPr>
     </a:lvl9pPr>
   </p:defaultTextStyle>
+  <p:extLst>
+    <p:ext uri="{EFAFB233-063F-42B5-8137-9DF3F51BA10A}">
+      <p15:sldGuideLst xmlns:p15="http://schemas.microsoft.com/office/powerpoint/2012/main"/>
+    </p:ext>
+  </p:extLst>
 </p:presentation>
 </file>
 
@@ -243,7 +249,7 @@
           <a:p>
             <a:fld id="{8D48F2C4-F38B-49ED-8225-F947080EEDDC}" type="datetimeFigureOut">
               <a:rPr lang="en-US" smtClean="0"/>
-              <a:t>10/12/2018</a:t>
+              <a:t>10/15/2018</a:t>
             </a:fld>
             <a:endParaRPr lang="en-US"/>
           </a:p>
@@ -413,7 +419,7 @@
           <a:p>
             <a:fld id="{8D48F2C4-F38B-49ED-8225-F947080EEDDC}" type="datetimeFigureOut">
               <a:rPr lang="en-US" smtClean="0"/>
-              <a:t>10/12/2018</a:t>
+              <a:t>10/15/2018</a:t>
             </a:fld>
             <a:endParaRPr lang="en-US"/>
           </a:p>
@@ -593,7 +599,7 @@
           <a:p>
             <a:fld id="{8D48F2C4-F38B-49ED-8225-F947080EEDDC}" type="datetimeFigureOut">
               <a:rPr lang="en-US" smtClean="0"/>
-              <a:t>10/12/2018</a:t>
+              <a:t>10/15/2018</a:t>
             </a:fld>
             <a:endParaRPr lang="en-US"/>
           </a:p>
@@ -763,7 +769,7 @@
           <a:p>
             <a:fld id="{8D48F2C4-F38B-49ED-8225-F947080EEDDC}" type="datetimeFigureOut">
               <a:rPr lang="en-US" smtClean="0"/>
-              <a:t>10/12/2018</a:t>
+              <a:t>10/15/2018</a:t>
             </a:fld>
             <a:endParaRPr lang="en-US"/>
           </a:p>
@@ -1009,7 +1015,7 @@
           <a:p>
             <a:fld id="{8D48F2C4-F38B-49ED-8225-F947080EEDDC}" type="datetimeFigureOut">
               <a:rPr lang="en-US" smtClean="0"/>
-              <a:t>10/12/2018</a:t>
+              <a:t>10/15/2018</a:t>
             </a:fld>
             <a:endParaRPr lang="en-US"/>
           </a:p>
@@ -1241,7 +1247,7 @@
           <a:p>
             <a:fld id="{8D48F2C4-F38B-49ED-8225-F947080EEDDC}" type="datetimeFigureOut">
               <a:rPr lang="en-US" smtClean="0"/>
-              <a:t>10/12/2018</a:t>
+              <a:t>10/15/2018</a:t>
             </a:fld>
             <a:endParaRPr lang="en-US"/>
           </a:p>
@@ -1608,7 +1614,7 @@
           <a:p>
             <a:fld id="{8D48F2C4-F38B-49ED-8225-F947080EEDDC}" type="datetimeFigureOut">
               <a:rPr lang="en-US" smtClean="0"/>
-              <a:t>10/12/2018</a:t>
+              <a:t>10/15/2018</a:t>
             </a:fld>
             <a:endParaRPr lang="en-US"/>
           </a:p>
@@ -1726,7 +1732,7 @@
           <a:p>
             <a:fld id="{8D48F2C4-F38B-49ED-8225-F947080EEDDC}" type="datetimeFigureOut">
               <a:rPr lang="en-US" smtClean="0"/>
-              <a:t>10/12/2018</a:t>
+              <a:t>10/15/2018</a:t>
             </a:fld>
             <a:endParaRPr lang="en-US"/>
           </a:p>
@@ -1821,7 +1827,7 @@
           <a:p>
             <a:fld id="{8D48F2C4-F38B-49ED-8225-F947080EEDDC}" type="datetimeFigureOut">
               <a:rPr lang="en-US" smtClean="0"/>
-              <a:t>10/12/2018</a:t>
+              <a:t>10/15/2018</a:t>
             </a:fld>
             <a:endParaRPr lang="en-US"/>
           </a:p>
@@ -2098,7 +2104,7 @@
           <a:p>
             <a:fld id="{8D48F2C4-F38B-49ED-8225-F947080EEDDC}" type="datetimeFigureOut">
               <a:rPr lang="en-US" smtClean="0"/>
-              <a:t>10/12/2018</a:t>
+              <a:t>10/15/2018</a:t>
             </a:fld>
             <a:endParaRPr lang="en-US"/>
           </a:p>
@@ -2351,7 +2357,7 @@
           <a:p>
             <a:fld id="{8D48F2C4-F38B-49ED-8225-F947080EEDDC}" type="datetimeFigureOut">
               <a:rPr lang="en-US" smtClean="0"/>
-              <a:t>10/12/2018</a:t>
+              <a:t>10/15/2018</a:t>
             </a:fld>
             <a:endParaRPr lang="en-US"/>
           </a:p>
@@ -2564,7 +2570,7 @@
           <a:p>
             <a:fld id="{8D48F2C4-F38B-49ED-8225-F947080EEDDC}" type="datetimeFigureOut">
               <a:rPr lang="en-US" smtClean="0"/>
-              <a:t>10/12/2018</a:t>
+              <a:t>10/15/2018</a:t>
             </a:fld>
             <a:endParaRPr lang="en-US"/>
           </a:p>
@@ -4131,6 +4137,136 @@
 </p:sld>
 </file>
 
+<file path=ppt/slides/slide7.xml><?xml version="1.0" encoding="utf-8"?>
+<p:sld xmlns:a="http://schemas.openxmlformats.org/drawingml/2006/main" xmlns:r="http://schemas.openxmlformats.org/officeDocument/2006/relationships" xmlns:p="http://schemas.openxmlformats.org/presentationml/2006/main">
+  <p:cSld>
+    <p:spTree>
+      <p:nvGrpSpPr>
+        <p:cNvPr id="1" name=""/>
+        <p:cNvGrpSpPr/>
+        <p:nvPr/>
+      </p:nvGrpSpPr>
+      <p:grpSpPr>
+        <a:xfrm>
+          <a:off x="0" y="0"/>
+          <a:ext cx="0" cy="0"/>
+          <a:chOff x="0" y="0"/>
+          <a:chExt cx="0" cy="0"/>
+        </a:xfrm>
+      </p:grpSpPr>
+      <p:sp>
+        <p:nvSpPr>
+          <p:cNvPr id="2" name="TextBox 1"/>
+          <p:cNvSpPr txBox="1"/>
+          <p:nvPr/>
+        </p:nvSpPr>
+        <p:spPr>
+          <a:xfrm>
+            <a:off x="725214" y="157655"/>
+            <a:ext cx="5749158" cy="1200329"/>
+          </a:xfrm>
+          <a:prstGeom prst="rect">
+            <a:avLst/>
+          </a:prstGeom>
+          <a:noFill/>
+        </p:spPr>
+        <p:txBody>
+          <a:bodyPr wrap="square" rtlCol="0">
+            <a:spAutoFit/>
+          </a:bodyPr>
+          <a:lstStyle/>
+          <a:p>
+            <a:r>
+              <a:rPr lang="en-US" dirty="0" smtClean="0"/>
+              <a:t>Using the </a:t>
+            </a:r>
+            <a:r>
+              <a:rPr lang="en-US" dirty="0" err="1" smtClean="0"/>
+              <a:t>Scipy</a:t>
+            </a:r>
+            <a:r>
+              <a:rPr lang="en-US" dirty="0" smtClean="0"/>
+              <a:t> optimization, I was able to get similar results to my 3D optimization method, but in a much shorter amount of time. Compare these results to the ones from the last slide:</a:t>
+            </a:r>
+            <a:endParaRPr lang="en-US" dirty="0"/>
+          </a:p>
+        </p:txBody>
+      </p:sp>
+      <p:pic>
+        <p:nvPicPr>
+          <p:cNvPr id="3" name="Picture 2"/>
+          <p:cNvPicPr>
+            <a:picLocks noChangeAspect="1"/>
+          </p:cNvPicPr>
+          <p:nvPr/>
+        </p:nvPicPr>
+        <p:blipFill>
+          <a:blip r:embed="rId2"/>
+          <a:stretch>
+            <a:fillRect/>
+          </a:stretch>
+        </p:blipFill>
+        <p:spPr>
+          <a:xfrm>
+            <a:off x="1044300" y="1357984"/>
+            <a:ext cx="3629025" cy="2847975"/>
+          </a:xfrm>
+          <a:prstGeom prst="rect">
+            <a:avLst/>
+          </a:prstGeom>
+        </p:spPr>
+      </p:pic>
+      <p:sp>
+        <p:nvSpPr>
+          <p:cNvPr id="4" name="TextBox 3"/>
+          <p:cNvSpPr txBox="1"/>
+          <p:nvPr/>
+        </p:nvSpPr>
+        <p:spPr>
+          <a:xfrm>
+            <a:off x="1044300" y="4561490"/>
+            <a:ext cx="4021686" cy="1477328"/>
+          </a:xfrm>
+          <a:prstGeom prst="rect">
+            <a:avLst/>
+          </a:prstGeom>
+          <a:noFill/>
+        </p:spPr>
+        <p:txBody>
+          <a:bodyPr wrap="square" rtlCol="0">
+            <a:spAutoFit/>
+          </a:bodyPr>
+          <a:lstStyle/>
+          <a:p>
+            <a:r>
+              <a:rPr lang="en-US" dirty="0" smtClean="0"/>
+              <a:t>The only difference is that the amplitude is negative for the </a:t>
+            </a:r>
+            <a:r>
+              <a:rPr lang="en-US" dirty="0" err="1" smtClean="0"/>
+              <a:t>scipy</a:t>
+            </a:r>
+            <a:r>
+              <a:rPr lang="en-US" dirty="0" smtClean="0"/>
+              <a:t> method compared to my old optimization. The magnitudes of all the parameters are similar though.</a:t>
+            </a:r>
+            <a:endParaRPr lang="en-US" dirty="0"/>
+          </a:p>
+        </p:txBody>
+      </p:sp>
+    </p:spTree>
+    <p:extLst>
+      <p:ext uri="{BB962C8B-B14F-4D97-AF65-F5344CB8AC3E}">
+        <p14:creationId xmlns:p14="http://schemas.microsoft.com/office/powerpoint/2010/main" val="205218595"/>
+      </p:ext>
+    </p:extLst>
+  </p:cSld>
+  <p:clrMapOvr>
+    <a:masterClrMapping/>
+  </p:clrMapOvr>
+</p:sld>
+</file>
+
 <file path=ppt/theme/theme1.xml><?xml version="1.0" encoding="utf-8"?>
 <a:theme xmlns:a="http://schemas.openxmlformats.org/drawingml/2006/main" name="Office Theme">
   <a:themeElements>
